--- a/Civil defense.pptx
+++ b/Civil defense.pptx
@@ -14,13 +14,16 @@
     <p:sldId id="260" r:id="rId8"/>
     <p:sldId id="262" r:id="rId9"/>
     <p:sldId id="264" r:id="rId10"/>
-    <p:sldId id="266" r:id="rId11"/>
-    <p:sldId id="265" r:id="rId12"/>
-    <p:sldId id="268" r:id="rId13"/>
-    <p:sldId id="267" r:id="rId14"/>
-    <p:sldId id="271" r:id="rId15"/>
-    <p:sldId id="269" r:id="rId16"/>
-    <p:sldId id="270" r:id="rId17"/>
+    <p:sldId id="273" r:id="rId11"/>
+    <p:sldId id="274" r:id="rId12"/>
+    <p:sldId id="272" r:id="rId13"/>
+    <p:sldId id="266" r:id="rId14"/>
+    <p:sldId id="265" r:id="rId15"/>
+    <p:sldId id="268" r:id="rId16"/>
+    <p:sldId id="267" r:id="rId17"/>
+    <p:sldId id="271" r:id="rId18"/>
+    <p:sldId id="269" r:id="rId19"/>
+    <p:sldId id="270" r:id="rId20"/>
   </p:sldIdLst>
   <p:sldSz cx="12192000" cy="6858000"/>
   <p:notesSz cx="6858000" cy="9144000"/>
@@ -623,7 +626,7 @@
           <a:p>
             <a:fld id="{8061015E-A616-47DA-B20E-2A2019A27ABF}" type="datetimeFigureOut">
               <a:rPr lang="ru-RU" smtClean="0"/>
-              <a:t>ср 18.01.23</a:t>
+              <a:t>чт 19.01.23</a:t>
             </a:fld>
             <a:endParaRPr lang="ru-RU"/>
           </a:p>
@@ -821,7 +824,7 @@
           <a:p>
             <a:fld id="{8061015E-A616-47DA-B20E-2A2019A27ABF}" type="datetimeFigureOut">
               <a:rPr lang="ru-RU" smtClean="0"/>
-              <a:t>ср 18.01.23</a:t>
+              <a:t>чт 19.01.23</a:t>
             </a:fld>
             <a:endParaRPr lang="ru-RU"/>
           </a:p>
@@ -1029,7 +1032,7 @@
           <a:p>
             <a:fld id="{8061015E-A616-47DA-B20E-2A2019A27ABF}" type="datetimeFigureOut">
               <a:rPr lang="ru-RU" smtClean="0"/>
-              <a:t>ср 18.01.23</a:t>
+              <a:t>чт 19.01.23</a:t>
             </a:fld>
             <a:endParaRPr lang="ru-RU"/>
           </a:p>
@@ -1227,7 +1230,7 @@
           <a:p>
             <a:fld id="{8061015E-A616-47DA-B20E-2A2019A27ABF}" type="datetimeFigureOut">
               <a:rPr lang="ru-RU" smtClean="0"/>
-              <a:t>ср 18.01.23</a:t>
+              <a:t>чт 19.01.23</a:t>
             </a:fld>
             <a:endParaRPr lang="ru-RU"/>
           </a:p>
@@ -1502,7 +1505,7 @@
           <a:p>
             <a:fld id="{8061015E-A616-47DA-B20E-2A2019A27ABF}" type="datetimeFigureOut">
               <a:rPr lang="ru-RU" smtClean="0"/>
-              <a:t>ср 18.01.23</a:t>
+              <a:t>чт 19.01.23</a:t>
             </a:fld>
             <a:endParaRPr lang="ru-RU"/>
           </a:p>
@@ -1767,7 +1770,7 @@
           <a:p>
             <a:fld id="{8061015E-A616-47DA-B20E-2A2019A27ABF}" type="datetimeFigureOut">
               <a:rPr lang="ru-RU" smtClean="0"/>
-              <a:t>ср 18.01.23</a:t>
+              <a:t>чт 19.01.23</a:t>
             </a:fld>
             <a:endParaRPr lang="ru-RU"/>
           </a:p>
@@ -2179,7 +2182,7 @@
           <a:p>
             <a:fld id="{8061015E-A616-47DA-B20E-2A2019A27ABF}" type="datetimeFigureOut">
               <a:rPr lang="ru-RU" smtClean="0"/>
-              <a:t>ср 18.01.23</a:t>
+              <a:t>чт 19.01.23</a:t>
             </a:fld>
             <a:endParaRPr lang="ru-RU"/>
           </a:p>
@@ -2320,7 +2323,7 @@
           <a:p>
             <a:fld id="{8061015E-A616-47DA-B20E-2A2019A27ABF}" type="datetimeFigureOut">
               <a:rPr lang="ru-RU" smtClean="0"/>
-              <a:t>ср 18.01.23</a:t>
+              <a:t>чт 19.01.23</a:t>
             </a:fld>
             <a:endParaRPr lang="ru-RU"/>
           </a:p>
@@ -2433,7 +2436,7 @@
           <a:p>
             <a:fld id="{8061015E-A616-47DA-B20E-2A2019A27ABF}" type="datetimeFigureOut">
               <a:rPr lang="ru-RU" smtClean="0"/>
-              <a:t>ср 18.01.23</a:t>
+              <a:t>чт 19.01.23</a:t>
             </a:fld>
             <a:endParaRPr lang="ru-RU"/>
           </a:p>
@@ -2744,7 +2747,7 @@
           <a:p>
             <a:fld id="{8061015E-A616-47DA-B20E-2A2019A27ABF}" type="datetimeFigureOut">
               <a:rPr lang="ru-RU" smtClean="0"/>
-              <a:t>ср 18.01.23</a:t>
+              <a:t>чт 19.01.23</a:t>
             </a:fld>
             <a:endParaRPr lang="ru-RU"/>
           </a:p>
@@ -3032,7 +3035,7 @@
           <a:p>
             <a:fld id="{8061015E-A616-47DA-B20E-2A2019A27ABF}" type="datetimeFigureOut">
               <a:rPr lang="ru-RU" smtClean="0"/>
-              <a:t>ср 18.01.23</a:t>
+              <a:t>чт 19.01.23</a:t>
             </a:fld>
             <a:endParaRPr lang="ru-RU"/>
           </a:p>
@@ -3273,7 +3276,7 @@
           <a:p>
             <a:fld id="{8061015E-A616-47DA-B20E-2A2019A27ABF}" type="datetimeFigureOut">
               <a:rPr lang="ru-RU" smtClean="0"/>
-              <a:t>ср 18.01.23</a:t>
+              <a:t>чт 19.01.23</a:t>
             </a:fld>
             <a:endParaRPr lang="ru-RU"/>
           </a:p>
@@ -3806,7 +3809,7 @@
           </a:blip>
           <a:srcRect/>
           <a:stretch>
-            <a:fillRect l="-5000" r="-5000"/>
+            <a:fillRect/>
           </a:stretch>
         </a:blipFill>
         <a:effectLst/>
@@ -3826,10 +3829,45 @@
           <a:chExt cx="0" cy="0"/>
         </a:xfrm>
       </p:grpSpPr>
+      <p:pic>
+        <p:nvPicPr>
+          <p:cNvPr id="6" name="Объект 5">
+            <a:extLst>
+              <a:ext uri="{FF2B5EF4-FFF2-40B4-BE49-F238E27FC236}">
+                <a16:creationId xmlns:a16="http://schemas.microsoft.com/office/drawing/2014/main" id="{282EF3C4-37AE-4BA3-9CB0-40CDB8C4BC18}"/>
+              </a:ext>
+            </a:extLst>
+          </p:cNvPr>
+          <p:cNvPicPr>
+            <a:picLocks noGrp="1" noChangeAspect="1"/>
+          </p:cNvPicPr>
+          <p:nvPr>
+            <p:ph idx="1"/>
+          </p:nvPr>
+        </p:nvPicPr>
+        <p:blipFill>
+          <a:blip r:embed="rId3">
+            <a:extLst>
+              <a:ext uri="{28A0092B-C50C-407E-A947-70E740481C1C}">
+                <a14:useLocalDpi xmlns:a14="http://schemas.microsoft.com/office/drawing/2010/main" val="0"/>
+              </a:ext>
+            </a:extLst>
+          </a:blip>
+          <a:stretch>
+            <a:fillRect/>
+          </a:stretch>
+        </p:blipFill>
+        <p:spPr>
+          <a:xfrm>
+            <a:off x="2329243" y="1461785"/>
+            <a:ext cx="8349643" cy="3934429"/>
+          </a:xfrm>
+        </p:spPr>
+      </p:pic>
     </p:spTree>
     <p:extLst>
       <p:ext uri="{BB962C8B-B14F-4D97-AF65-F5344CB8AC3E}">
-        <p14:creationId xmlns:p14="http://schemas.microsoft.com/office/powerpoint/2010/main" val="47259891"/>
+        <p14:creationId xmlns:p14="http://schemas.microsoft.com/office/powerpoint/2010/main" val="3203581806"/>
       </p:ext>
     </p:extLst>
   </p:cSld>
@@ -3870,49 +3908,45 @@
           <a:chExt cx="0" cy="0"/>
         </a:xfrm>
       </p:grpSpPr>
-      <p:sp>
-        <p:nvSpPr>
-          <p:cNvPr id="2" name="Заголовок 1">
-            <a:extLst>
-              <a:ext uri="{FF2B5EF4-FFF2-40B4-BE49-F238E27FC236}">
-                <a16:creationId xmlns:a16="http://schemas.microsoft.com/office/drawing/2014/main" id="{6A67B948-8E50-4DCD-8952-B6F1899DFF9D}"/>
-              </a:ext>
-            </a:extLst>
-          </p:cNvPr>
-          <p:cNvSpPr>
-            <a:spLocks noGrp="1"/>
-          </p:cNvSpPr>
-          <p:nvPr>
-            <p:ph type="ctrTitle"/>
-          </p:nvPr>
-        </p:nvSpPr>
+      <p:pic>
+        <p:nvPicPr>
+          <p:cNvPr id="5" name="Объект 4">
+            <a:extLst>
+              <a:ext uri="{FF2B5EF4-FFF2-40B4-BE49-F238E27FC236}">
+                <a16:creationId xmlns:a16="http://schemas.microsoft.com/office/drawing/2014/main" id="{B22C3098-304F-4A49-B61B-267C8C7EFE49}"/>
+              </a:ext>
+            </a:extLst>
+          </p:cNvPr>
+          <p:cNvPicPr>
+            <a:picLocks noGrp="1" noChangeAspect="1"/>
+          </p:cNvPicPr>
+          <p:nvPr>
+            <p:ph idx="1"/>
+          </p:nvPr>
+        </p:nvPicPr>
+        <p:blipFill>
+          <a:blip r:embed="rId3">
+            <a:extLst>
+              <a:ext uri="{28A0092B-C50C-407E-A947-70E740481C1C}">
+                <a14:useLocalDpi xmlns:a14="http://schemas.microsoft.com/office/drawing/2010/main" val="0"/>
+              </a:ext>
+            </a:extLst>
+          </a:blip>
+          <a:stretch>
+            <a:fillRect/>
+          </a:stretch>
+        </p:blipFill>
         <p:spPr>
           <a:xfrm>
-            <a:off x="1524000" y="1122362"/>
-            <a:ext cx="9144000" cy="2774723"/>
+            <a:off x="4425235" y="667658"/>
+            <a:ext cx="3341529" cy="5522684"/>
           </a:xfrm>
         </p:spPr>
-        <p:txBody>
-          <a:bodyPr/>
-          <a:lstStyle/>
-          <a:p>
-            <a:r>
-              <a:rPr lang="ru-RU" dirty="0">
-                <a:solidFill>
-                  <a:schemeClr val="bg1"/>
-                </a:solidFill>
-                <a:latin typeface="Rubik" panose="02000604000000020004" pitchFamily="2" charset="-79"/>
-                <a:cs typeface="Rubik" panose="02000604000000020004" pitchFamily="2" charset="-79"/>
-              </a:rPr>
-              <a:t>Структура кода</a:t>
-            </a:r>
-          </a:p>
-        </p:txBody>
-      </p:sp>
+      </p:pic>
     </p:spTree>
     <p:extLst>
       <p:ext uri="{BB962C8B-B14F-4D97-AF65-F5344CB8AC3E}">
-        <p14:creationId xmlns:p14="http://schemas.microsoft.com/office/powerpoint/2010/main" val="1623712423"/>
+        <p14:creationId xmlns:p14="http://schemas.microsoft.com/office/powerpoint/2010/main" val="2815746218"/>
       </p:ext>
     </p:extLst>
   </p:cSld>
@@ -3927,9 +3961,15 @@
   <p:cSld>
     <p:bg>
       <p:bgPr>
-        <a:solidFill>
-          <a:schemeClr val="tx1"/>
-        </a:solidFill>
+        <a:blipFill dpi="0" rotWithShape="1">
+          <a:blip r:embed="rId2">
+            <a:lum/>
+          </a:blip>
+          <a:srcRect/>
+          <a:stretch>
+            <a:fillRect/>
+          </a:stretch>
+        </a:blipFill>
         <a:effectLst/>
       </p:bgPr>
     </p:bg>
@@ -3952,28 +3992,27 @@
           <p:cNvPr id="2" name="Заголовок 1">
             <a:extLst>
               <a:ext uri="{FF2B5EF4-FFF2-40B4-BE49-F238E27FC236}">
-                <a16:creationId xmlns:a16="http://schemas.microsoft.com/office/drawing/2014/main" id="{F896CEAA-6ADF-4A07-98D4-1D79311DA2B6}"/>
-              </a:ext>
-            </a:extLst>
-          </p:cNvPr>
-          <p:cNvSpPr>
-            <a:spLocks noGrp="1"/>
-          </p:cNvSpPr>
-          <p:nvPr>
-            <p:ph type="title"/>
+                <a16:creationId xmlns:a16="http://schemas.microsoft.com/office/drawing/2014/main" id="{6A67B948-8E50-4DCD-8952-B6F1899DFF9D}"/>
+              </a:ext>
+            </a:extLst>
+          </p:cNvPr>
+          <p:cNvSpPr>
+            <a:spLocks noGrp="1"/>
+          </p:cNvSpPr>
+          <p:nvPr>
+            <p:ph type="ctrTitle"/>
           </p:nvPr>
         </p:nvSpPr>
         <p:spPr>
           <a:xfrm>
-            <a:off x="838200" y="1"/>
-            <a:ext cx="10515600" cy="1230085"/>
+            <a:off x="1524000" y="1122362"/>
+            <a:ext cx="9144000" cy="2774723"/>
           </a:xfrm>
         </p:spPr>
         <p:txBody>
           <a:bodyPr/>
           <a:lstStyle/>
           <a:p>
-            <a:pPr algn="ctr"/>
             <a:r>
               <a:rPr lang="ru-RU" dirty="0">
                 <a:solidFill>
@@ -3982,50 +4021,15 @@
                 <a:latin typeface="Rubik" panose="02000604000000020004" pitchFamily="2" charset="-79"/>
                 <a:cs typeface="Rubik" panose="02000604000000020004" pitchFamily="2" charset="-79"/>
               </a:rPr>
-              <a:t>Основные классы</a:t>
-            </a:r>
-          </a:p>
-        </p:txBody>
-      </p:sp>
-      <p:pic>
-        <p:nvPicPr>
-          <p:cNvPr id="5" name="Объект 4">
-            <a:extLst>
-              <a:ext uri="{FF2B5EF4-FFF2-40B4-BE49-F238E27FC236}">
-                <a16:creationId xmlns:a16="http://schemas.microsoft.com/office/drawing/2014/main" id="{47CF71EE-E0D2-463C-B8F8-BCA5C32A3B20}"/>
-              </a:ext>
-            </a:extLst>
-          </p:cNvPr>
-          <p:cNvPicPr>
-            <a:picLocks noGrp="1" noChangeAspect="1"/>
-          </p:cNvPicPr>
-          <p:nvPr>
-            <p:ph idx="1"/>
-          </p:nvPr>
-        </p:nvPicPr>
-        <p:blipFill>
-          <a:blip r:embed="rId2">
-            <a:extLst>
-              <a:ext uri="{28A0092B-C50C-407E-A947-70E740481C1C}">
-                <a14:useLocalDpi xmlns:a14="http://schemas.microsoft.com/office/drawing/2010/main" val="0"/>
-              </a:ext>
-            </a:extLst>
-          </a:blip>
-          <a:stretch>
-            <a:fillRect/>
-          </a:stretch>
-        </p:blipFill>
-        <p:spPr>
-          <a:xfrm>
-            <a:off x="3510769" y="1091057"/>
-            <a:ext cx="5170461" cy="5575987"/>
-          </a:xfrm>
-        </p:spPr>
-      </p:pic>
+              <a:t>Хранение данных</a:t>
+            </a:r>
+          </a:p>
+        </p:txBody>
+      </p:sp>
     </p:spTree>
     <p:extLst>
       <p:ext uri="{BB962C8B-B14F-4D97-AF65-F5344CB8AC3E}">
-        <p14:creationId xmlns:p14="http://schemas.microsoft.com/office/powerpoint/2010/main" val="2740941954"/>
+        <p14:creationId xmlns:p14="http://schemas.microsoft.com/office/powerpoint/2010/main" val="2745585491"/>
       </p:ext>
     </p:extLst>
   </p:cSld>
@@ -4040,9 +4044,15 @@
   <p:cSld>
     <p:bg>
       <p:bgPr>
-        <a:solidFill>
-          <a:schemeClr val="tx1"/>
-        </a:solidFill>
+        <a:blipFill dpi="0" rotWithShape="1">
+          <a:blip r:embed="rId2">
+            <a:lum/>
+          </a:blip>
+          <a:srcRect/>
+          <a:stretch>
+            <a:fillRect l="-5000" r="-5000"/>
+          </a:stretch>
+        </a:blipFill>
         <a:effectLst/>
       </p:bgPr>
     </p:bg>
@@ -4060,80 +4070,10 @@
           <a:chExt cx="0" cy="0"/>
         </a:xfrm>
       </p:grpSpPr>
-      <p:sp>
-        <p:nvSpPr>
-          <p:cNvPr id="2" name="Заголовок 1">
-            <a:extLst>
-              <a:ext uri="{FF2B5EF4-FFF2-40B4-BE49-F238E27FC236}">
-                <a16:creationId xmlns:a16="http://schemas.microsoft.com/office/drawing/2014/main" id="{E4A253B3-F96F-4B11-BC0A-464EE183E1D4}"/>
-              </a:ext>
-            </a:extLst>
-          </p:cNvPr>
-          <p:cNvSpPr>
-            <a:spLocks noGrp="1"/>
-          </p:cNvSpPr>
-          <p:nvPr>
-            <p:ph type="title"/>
-          </p:nvPr>
-        </p:nvSpPr>
-        <p:spPr/>
-        <p:txBody>
-          <a:bodyPr/>
-          <a:lstStyle/>
-          <a:p>
-            <a:pPr algn="ctr"/>
-            <a:r>
-              <a:rPr lang="ru-RU" dirty="0">
-                <a:solidFill>
-                  <a:schemeClr val="bg1"/>
-                </a:solidFill>
-                <a:latin typeface="Rubik" panose="02000604000000020004" pitchFamily="2" charset="-79"/>
-                <a:cs typeface="Rubik" panose="02000604000000020004" pitchFamily="2" charset="-79"/>
-              </a:rPr>
-              <a:t>Отдельные функции</a:t>
-            </a:r>
-          </a:p>
-        </p:txBody>
-      </p:sp>
-      <p:pic>
-        <p:nvPicPr>
-          <p:cNvPr id="5" name="Объект 4">
-            <a:extLst>
-              <a:ext uri="{FF2B5EF4-FFF2-40B4-BE49-F238E27FC236}">
-                <a16:creationId xmlns:a16="http://schemas.microsoft.com/office/drawing/2014/main" id="{F6FBBCF8-9743-413F-8643-D106C67822FC}"/>
-              </a:ext>
-            </a:extLst>
-          </p:cNvPr>
-          <p:cNvPicPr>
-            <a:picLocks noGrp="1" noChangeAspect="1"/>
-          </p:cNvPicPr>
-          <p:nvPr>
-            <p:ph idx="1"/>
-          </p:nvPr>
-        </p:nvPicPr>
-        <p:blipFill>
-          <a:blip r:embed="rId2">
-            <a:extLst>
-              <a:ext uri="{28A0092B-C50C-407E-A947-70E740481C1C}">
-                <a14:useLocalDpi xmlns:a14="http://schemas.microsoft.com/office/drawing/2010/main" val="0"/>
-              </a:ext>
-            </a:extLst>
-          </a:blip>
-          <a:stretch>
-            <a:fillRect/>
-          </a:stretch>
-        </p:blipFill>
-        <p:spPr>
-          <a:xfrm>
-            <a:off x="800100" y="1474629"/>
-            <a:ext cx="10591800" cy="5116218"/>
-          </a:xfrm>
-        </p:spPr>
-      </p:pic>
     </p:spTree>
     <p:extLst>
       <p:ext uri="{BB962C8B-B14F-4D97-AF65-F5344CB8AC3E}">
-        <p14:creationId xmlns:p14="http://schemas.microsoft.com/office/powerpoint/2010/main" val="927320816"/>
+        <p14:creationId xmlns:p14="http://schemas.microsoft.com/office/powerpoint/2010/main" val="47259891"/>
       </p:ext>
     </p:extLst>
   </p:cSld>
@@ -4179,72 +4119,44 @@
           <p:cNvPr id="2" name="Заголовок 1">
             <a:extLst>
               <a:ext uri="{FF2B5EF4-FFF2-40B4-BE49-F238E27FC236}">
-                <a16:creationId xmlns:a16="http://schemas.microsoft.com/office/drawing/2014/main" id="{612325C1-3857-4B54-9C2A-93D7DB2CA081}"/>
-              </a:ext>
-            </a:extLst>
-          </p:cNvPr>
-          <p:cNvSpPr>
-            <a:spLocks noGrp="1"/>
-          </p:cNvSpPr>
-          <p:nvPr>
-            <p:ph type="title"/>
-          </p:nvPr>
-        </p:nvSpPr>
-        <p:spPr/>
-        <p:txBody>
-          <a:bodyPr/>
-          <a:lstStyle/>
-          <a:p>
-            <a:pPr algn="ctr"/>
+                <a16:creationId xmlns:a16="http://schemas.microsoft.com/office/drawing/2014/main" id="{6A67B948-8E50-4DCD-8952-B6F1899DFF9D}"/>
+              </a:ext>
+            </a:extLst>
+          </p:cNvPr>
+          <p:cNvSpPr>
+            <a:spLocks noGrp="1"/>
+          </p:cNvSpPr>
+          <p:nvPr>
+            <p:ph type="ctrTitle"/>
+          </p:nvPr>
+        </p:nvSpPr>
+        <p:spPr>
+          <a:xfrm>
+            <a:off x="1524000" y="1122362"/>
+            <a:ext cx="9144000" cy="2774723"/>
+          </a:xfrm>
+        </p:spPr>
+        <p:txBody>
+          <a:bodyPr/>
+          <a:lstStyle/>
+          <a:p>
             <a:r>
               <a:rPr lang="ru-RU" dirty="0">
+                <a:solidFill>
+                  <a:schemeClr val="bg1"/>
+                </a:solidFill>
                 <a:latin typeface="Rubik" panose="02000604000000020004" pitchFamily="2" charset="-79"/>
                 <a:cs typeface="Rubik" panose="02000604000000020004" pitchFamily="2" charset="-79"/>
               </a:rPr>
-              <a:t>Необходимые библиотеки</a:t>
-            </a:r>
-          </a:p>
-        </p:txBody>
-      </p:sp>
-      <p:pic>
-        <p:nvPicPr>
-          <p:cNvPr id="5" name="Объект 4">
-            <a:extLst>
-              <a:ext uri="{FF2B5EF4-FFF2-40B4-BE49-F238E27FC236}">
-                <a16:creationId xmlns:a16="http://schemas.microsoft.com/office/drawing/2014/main" id="{9EEE149D-30E5-458C-AD3D-C5C31B76E8D4}"/>
-              </a:ext>
-            </a:extLst>
-          </p:cNvPr>
-          <p:cNvPicPr>
-            <a:picLocks noGrp="1" noChangeAspect="1"/>
-          </p:cNvPicPr>
-          <p:nvPr>
-            <p:ph idx="1"/>
-          </p:nvPr>
-        </p:nvPicPr>
-        <p:blipFill>
-          <a:blip r:embed="rId3">
-            <a:extLst>
-              <a:ext uri="{28A0092B-C50C-407E-A947-70E740481C1C}">
-                <a14:useLocalDpi xmlns:a14="http://schemas.microsoft.com/office/drawing/2010/main" val="0"/>
-              </a:ext>
-            </a:extLst>
-          </a:blip>
-          <a:stretch>
-            <a:fillRect/>
-          </a:stretch>
-        </p:blipFill>
-        <p:spPr>
-          <a:xfrm>
-            <a:off x="4037150" y="2339691"/>
-            <a:ext cx="4117700" cy="2178617"/>
-          </a:xfrm>
-        </p:spPr>
-      </p:pic>
+              <a:t>Структура кода</a:t>
+            </a:r>
+          </a:p>
+        </p:txBody>
+      </p:sp>
     </p:spTree>
     <p:extLst>
       <p:ext uri="{BB962C8B-B14F-4D97-AF65-F5344CB8AC3E}">
-        <p14:creationId xmlns:p14="http://schemas.microsoft.com/office/powerpoint/2010/main" val="4273101088"/>
+        <p14:creationId xmlns:p14="http://schemas.microsoft.com/office/powerpoint/2010/main" val="1623712423"/>
       </p:ext>
     </p:extLst>
   </p:cSld>
@@ -4255,6 +4167,227 @@
 </file>
 
 <file path=ppt/slides/slide15.xml><?xml version="1.0" encoding="utf-8"?>
+<p:sld xmlns:a="http://schemas.openxmlformats.org/drawingml/2006/main" xmlns:r="http://schemas.openxmlformats.org/officeDocument/2006/relationships" xmlns:p="http://schemas.openxmlformats.org/presentationml/2006/main">
+  <p:cSld>
+    <p:bg>
+      <p:bgPr>
+        <a:solidFill>
+          <a:schemeClr val="tx1"/>
+        </a:solidFill>
+        <a:effectLst/>
+      </p:bgPr>
+    </p:bg>
+    <p:spTree>
+      <p:nvGrpSpPr>
+        <p:cNvPr id="1" name=""/>
+        <p:cNvGrpSpPr/>
+        <p:nvPr/>
+      </p:nvGrpSpPr>
+      <p:grpSpPr>
+        <a:xfrm>
+          <a:off x="0" y="0"/>
+          <a:ext cx="0" cy="0"/>
+          <a:chOff x="0" y="0"/>
+          <a:chExt cx="0" cy="0"/>
+        </a:xfrm>
+      </p:grpSpPr>
+      <p:sp>
+        <p:nvSpPr>
+          <p:cNvPr id="2" name="Заголовок 1">
+            <a:extLst>
+              <a:ext uri="{FF2B5EF4-FFF2-40B4-BE49-F238E27FC236}">
+                <a16:creationId xmlns:a16="http://schemas.microsoft.com/office/drawing/2014/main" id="{F896CEAA-6ADF-4A07-98D4-1D79311DA2B6}"/>
+              </a:ext>
+            </a:extLst>
+          </p:cNvPr>
+          <p:cNvSpPr>
+            <a:spLocks noGrp="1"/>
+          </p:cNvSpPr>
+          <p:nvPr>
+            <p:ph type="title"/>
+          </p:nvPr>
+        </p:nvSpPr>
+        <p:spPr>
+          <a:xfrm>
+            <a:off x="838200" y="1"/>
+            <a:ext cx="10515600" cy="1230085"/>
+          </a:xfrm>
+        </p:spPr>
+        <p:txBody>
+          <a:bodyPr/>
+          <a:lstStyle/>
+          <a:p>
+            <a:pPr algn="ctr"/>
+            <a:r>
+              <a:rPr lang="ru-RU" dirty="0">
+                <a:solidFill>
+                  <a:schemeClr val="bg1"/>
+                </a:solidFill>
+                <a:latin typeface="Rubik" panose="02000604000000020004" pitchFamily="2" charset="-79"/>
+                <a:cs typeface="Rubik" panose="02000604000000020004" pitchFamily="2" charset="-79"/>
+              </a:rPr>
+              <a:t>Основные классы</a:t>
+            </a:r>
+          </a:p>
+        </p:txBody>
+      </p:sp>
+      <p:pic>
+        <p:nvPicPr>
+          <p:cNvPr id="5" name="Объект 4">
+            <a:extLst>
+              <a:ext uri="{FF2B5EF4-FFF2-40B4-BE49-F238E27FC236}">
+                <a16:creationId xmlns:a16="http://schemas.microsoft.com/office/drawing/2014/main" id="{47CF71EE-E0D2-463C-B8F8-BCA5C32A3B20}"/>
+              </a:ext>
+            </a:extLst>
+          </p:cNvPr>
+          <p:cNvPicPr>
+            <a:picLocks noGrp="1" noChangeAspect="1"/>
+          </p:cNvPicPr>
+          <p:nvPr>
+            <p:ph idx="1"/>
+          </p:nvPr>
+        </p:nvPicPr>
+        <p:blipFill>
+          <a:blip r:embed="rId2">
+            <a:extLst>
+              <a:ext uri="{28A0092B-C50C-407E-A947-70E740481C1C}">
+                <a14:useLocalDpi xmlns:a14="http://schemas.microsoft.com/office/drawing/2010/main" val="0"/>
+              </a:ext>
+            </a:extLst>
+          </a:blip>
+          <a:stretch>
+            <a:fillRect/>
+          </a:stretch>
+        </p:blipFill>
+        <p:spPr>
+          <a:xfrm>
+            <a:off x="3510769" y="1091057"/>
+            <a:ext cx="5170461" cy="5575987"/>
+          </a:xfrm>
+        </p:spPr>
+      </p:pic>
+    </p:spTree>
+    <p:extLst>
+      <p:ext uri="{BB962C8B-B14F-4D97-AF65-F5344CB8AC3E}">
+        <p14:creationId xmlns:p14="http://schemas.microsoft.com/office/powerpoint/2010/main" val="2740941954"/>
+      </p:ext>
+    </p:extLst>
+  </p:cSld>
+  <p:clrMapOvr>
+    <a:masterClrMapping/>
+  </p:clrMapOvr>
+</p:sld>
+</file>
+
+<file path=ppt/slides/slide16.xml><?xml version="1.0" encoding="utf-8"?>
+<p:sld xmlns:a="http://schemas.openxmlformats.org/drawingml/2006/main" xmlns:r="http://schemas.openxmlformats.org/officeDocument/2006/relationships" xmlns:p="http://schemas.openxmlformats.org/presentationml/2006/main">
+  <p:cSld>
+    <p:bg>
+      <p:bgPr>
+        <a:solidFill>
+          <a:schemeClr val="tx1"/>
+        </a:solidFill>
+        <a:effectLst/>
+      </p:bgPr>
+    </p:bg>
+    <p:spTree>
+      <p:nvGrpSpPr>
+        <p:cNvPr id="1" name=""/>
+        <p:cNvGrpSpPr/>
+        <p:nvPr/>
+      </p:nvGrpSpPr>
+      <p:grpSpPr>
+        <a:xfrm>
+          <a:off x="0" y="0"/>
+          <a:ext cx="0" cy="0"/>
+          <a:chOff x="0" y="0"/>
+          <a:chExt cx="0" cy="0"/>
+        </a:xfrm>
+      </p:grpSpPr>
+      <p:sp>
+        <p:nvSpPr>
+          <p:cNvPr id="2" name="Заголовок 1">
+            <a:extLst>
+              <a:ext uri="{FF2B5EF4-FFF2-40B4-BE49-F238E27FC236}">
+                <a16:creationId xmlns:a16="http://schemas.microsoft.com/office/drawing/2014/main" id="{E4A253B3-F96F-4B11-BC0A-464EE183E1D4}"/>
+              </a:ext>
+            </a:extLst>
+          </p:cNvPr>
+          <p:cNvSpPr>
+            <a:spLocks noGrp="1"/>
+          </p:cNvSpPr>
+          <p:nvPr>
+            <p:ph type="title"/>
+          </p:nvPr>
+        </p:nvSpPr>
+        <p:spPr/>
+        <p:txBody>
+          <a:bodyPr/>
+          <a:lstStyle/>
+          <a:p>
+            <a:pPr algn="ctr"/>
+            <a:r>
+              <a:rPr lang="ru-RU" dirty="0">
+                <a:solidFill>
+                  <a:schemeClr val="bg1"/>
+                </a:solidFill>
+                <a:latin typeface="Rubik" panose="02000604000000020004" pitchFamily="2" charset="-79"/>
+                <a:cs typeface="Rubik" panose="02000604000000020004" pitchFamily="2" charset="-79"/>
+              </a:rPr>
+              <a:t>Отдельные функции</a:t>
+            </a:r>
+          </a:p>
+        </p:txBody>
+      </p:sp>
+      <p:pic>
+        <p:nvPicPr>
+          <p:cNvPr id="5" name="Объект 4">
+            <a:extLst>
+              <a:ext uri="{FF2B5EF4-FFF2-40B4-BE49-F238E27FC236}">
+                <a16:creationId xmlns:a16="http://schemas.microsoft.com/office/drawing/2014/main" id="{F6FBBCF8-9743-413F-8643-D106C67822FC}"/>
+              </a:ext>
+            </a:extLst>
+          </p:cNvPr>
+          <p:cNvPicPr>
+            <a:picLocks noGrp="1" noChangeAspect="1"/>
+          </p:cNvPicPr>
+          <p:nvPr>
+            <p:ph idx="1"/>
+          </p:nvPr>
+        </p:nvPicPr>
+        <p:blipFill>
+          <a:blip r:embed="rId2">
+            <a:extLst>
+              <a:ext uri="{28A0092B-C50C-407E-A947-70E740481C1C}">
+                <a14:useLocalDpi xmlns:a14="http://schemas.microsoft.com/office/drawing/2010/main" val="0"/>
+              </a:ext>
+            </a:extLst>
+          </a:blip>
+          <a:stretch>
+            <a:fillRect/>
+          </a:stretch>
+        </p:blipFill>
+        <p:spPr>
+          <a:xfrm>
+            <a:off x="800100" y="1474629"/>
+            <a:ext cx="10591800" cy="5116218"/>
+          </a:xfrm>
+        </p:spPr>
+      </p:pic>
+    </p:spTree>
+    <p:extLst>
+      <p:ext uri="{BB962C8B-B14F-4D97-AF65-F5344CB8AC3E}">
+        <p14:creationId xmlns:p14="http://schemas.microsoft.com/office/powerpoint/2010/main" val="927320816"/>
+      </p:ext>
+    </p:extLst>
+  </p:cSld>
+  <p:clrMapOvr>
+    <a:masterClrMapping/>
+  </p:clrMapOvr>
+</p:sld>
+</file>
+
+<file path=ppt/slides/slide17.xml><?xml version="1.0" encoding="utf-8"?>
 <p:sld xmlns:a="http://schemas.openxmlformats.org/drawingml/2006/main" xmlns:r="http://schemas.openxmlformats.org/officeDocument/2006/relationships" xmlns:p="http://schemas.openxmlformats.org/presentationml/2006/main">
   <p:cSld>
     <p:bg>
@@ -4290,6 +4423,117 @@
           <p:cNvPr id="2" name="Заголовок 1">
             <a:extLst>
               <a:ext uri="{FF2B5EF4-FFF2-40B4-BE49-F238E27FC236}">
+                <a16:creationId xmlns:a16="http://schemas.microsoft.com/office/drawing/2014/main" id="{612325C1-3857-4B54-9C2A-93D7DB2CA081}"/>
+              </a:ext>
+            </a:extLst>
+          </p:cNvPr>
+          <p:cNvSpPr>
+            <a:spLocks noGrp="1"/>
+          </p:cNvSpPr>
+          <p:nvPr>
+            <p:ph type="title"/>
+          </p:nvPr>
+        </p:nvSpPr>
+        <p:spPr/>
+        <p:txBody>
+          <a:bodyPr/>
+          <a:lstStyle/>
+          <a:p>
+            <a:pPr algn="ctr"/>
+            <a:r>
+              <a:rPr lang="ru-RU" dirty="0">
+                <a:latin typeface="Rubik" panose="02000604000000020004" pitchFamily="2" charset="-79"/>
+                <a:cs typeface="Rubik" panose="02000604000000020004" pitchFamily="2" charset="-79"/>
+              </a:rPr>
+              <a:t>Необходимые библиотеки</a:t>
+            </a:r>
+          </a:p>
+        </p:txBody>
+      </p:sp>
+      <p:pic>
+        <p:nvPicPr>
+          <p:cNvPr id="5" name="Объект 4">
+            <a:extLst>
+              <a:ext uri="{FF2B5EF4-FFF2-40B4-BE49-F238E27FC236}">
+                <a16:creationId xmlns:a16="http://schemas.microsoft.com/office/drawing/2014/main" id="{9EEE149D-30E5-458C-AD3D-C5C31B76E8D4}"/>
+              </a:ext>
+            </a:extLst>
+          </p:cNvPr>
+          <p:cNvPicPr>
+            <a:picLocks noGrp="1" noChangeAspect="1"/>
+          </p:cNvPicPr>
+          <p:nvPr>
+            <p:ph idx="1"/>
+          </p:nvPr>
+        </p:nvPicPr>
+        <p:blipFill>
+          <a:blip r:embed="rId3">
+            <a:extLst>
+              <a:ext uri="{28A0092B-C50C-407E-A947-70E740481C1C}">
+                <a14:useLocalDpi xmlns:a14="http://schemas.microsoft.com/office/drawing/2010/main" val="0"/>
+              </a:ext>
+            </a:extLst>
+          </a:blip>
+          <a:stretch>
+            <a:fillRect/>
+          </a:stretch>
+        </p:blipFill>
+        <p:spPr>
+          <a:xfrm>
+            <a:off x="4037150" y="2339691"/>
+            <a:ext cx="4117700" cy="2178617"/>
+          </a:xfrm>
+        </p:spPr>
+      </p:pic>
+    </p:spTree>
+    <p:extLst>
+      <p:ext uri="{BB962C8B-B14F-4D97-AF65-F5344CB8AC3E}">
+        <p14:creationId xmlns:p14="http://schemas.microsoft.com/office/powerpoint/2010/main" val="4273101088"/>
+      </p:ext>
+    </p:extLst>
+  </p:cSld>
+  <p:clrMapOvr>
+    <a:masterClrMapping/>
+  </p:clrMapOvr>
+</p:sld>
+</file>
+
+<file path=ppt/slides/slide18.xml><?xml version="1.0" encoding="utf-8"?>
+<p:sld xmlns:a="http://schemas.openxmlformats.org/drawingml/2006/main" xmlns:r="http://schemas.openxmlformats.org/officeDocument/2006/relationships" xmlns:p="http://schemas.openxmlformats.org/presentationml/2006/main">
+  <p:cSld>
+    <p:bg>
+      <p:bgPr>
+        <a:blipFill dpi="0" rotWithShape="1">
+          <a:blip r:embed="rId2">
+            <a:lum/>
+          </a:blip>
+          <a:srcRect/>
+          <a:stretch>
+            <a:fillRect/>
+          </a:stretch>
+        </a:blipFill>
+        <a:effectLst/>
+      </p:bgPr>
+    </p:bg>
+    <p:spTree>
+      <p:nvGrpSpPr>
+        <p:cNvPr id="1" name=""/>
+        <p:cNvGrpSpPr/>
+        <p:nvPr/>
+      </p:nvGrpSpPr>
+      <p:grpSpPr>
+        <a:xfrm>
+          <a:off x="0" y="0"/>
+          <a:ext cx="0" cy="0"/>
+          <a:chOff x="0" y="0"/>
+          <a:chExt cx="0" cy="0"/>
+        </a:xfrm>
+      </p:grpSpPr>
+      <p:sp>
+        <p:nvSpPr>
+          <p:cNvPr id="2" name="Заголовок 1">
+            <a:extLst>
+              <a:ext uri="{FF2B5EF4-FFF2-40B4-BE49-F238E27FC236}">
                 <a16:creationId xmlns:a16="http://schemas.microsoft.com/office/drawing/2014/main" id="{279216E7-B9BC-4886-AF0A-377AD0438FAB}"/>
               </a:ext>
             </a:extLst>
@@ -4405,7 +4649,7 @@
 </p:sld>
 </file>
 
-<file path=ppt/slides/slide16.xml><?xml version="1.0" encoding="utf-8"?>
+<file path=ppt/slides/slide19.xml><?xml version="1.0" encoding="utf-8"?>
 <p:sld xmlns:a="http://schemas.openxmlformats.org/drawingml/2006/main" xmlns:r="http://schemas.openxmlformats.org/officeDocument/2006/relationships" xmlns:p="http://schemas.openxmlformats.org/presentationml/2006/main">
   <p:cSld>
     <p:bg>
@@ -5294,7 +5538,7 @@
                 <a:latin typeface="Rubik" panose="02000604000000020004" pitchFamily="2" charset="-79"/>
                 <a:cs typeface="Rubik" panose="02000604000000020004" pitchFamily="2" charset="-79"/>
               </a:rPr>
-              <a:t>Хранение данных</a:t>
+              <a:t>Иллюстрации</a:t>
             </a:r>
           </a:p>
         </p:txBody>
